--- a/Presentation/Twitter_Sentiment_Analysis.pptx
+++ b/Presentation/Twitter_Sentiment_Analysis.pptx
@@ -6842,7 +6842,7 @@
             </a:pPr>
             <a:r>
               <a:rPr lang="en-AU" sz="1600" dirty="0"/>
-              <a:t>However you don’t have a clear picture on tweets mentioning their brand. </a:t>
+              <a:t>However you don’t have a clear picture on tweets mentioning your brand. </a:t>
             </a:r>
           </a:p>
           <a:p>
@@ -8334,8 +8334,8 @@
         </p:blipFill>
         <p:spPr bwMode="auto">
           <a:xfrm>
-            <a:off x="6974946" y="2456116"/>
-            <a:ext cx="1517981" cy="510194"/>
+            <a:off x="6985579" y="2456116"/>
+            <a:ext cx="1507348" cy="510194"/>
           </a:xfrm>
           <a:prstGeom prst="rect">
             <a:avLst/>
@@ -9127,7 +9127,7 @@
         </p:blipFill>
         <p:spPr>
           <a:xfrm>
-            <a:off x="2875468" y="1646640"/>
+            <a:off x="2303968" y="1646640"/>
             <a:ext cx="4339360" cy="3507493"/>
           </a:xfrm>
           <a:prstGeom prst="rect">

--- a/Presentation/Twitter_Sentiment_Analysis.pptx
+++ b/Presentation/Twitter_Sentiment_Analysis.pptx
@@ -7942,12 +7942,14 @@
               </a:ext>
             </a:extLst>
           </p:cNvPr>
-          <p:cNvCxnSpPr/>
+          <p:cNvCxnSpPr>
+            <a:cxnSpLocks/>
+          </p:cNvCxnSpPr>
           <p:nvPr/>
         </p:nvCxnSpPr>
         <p:spPr>
           <a:xfrm>
-            <a:off x="6347638" y="1687911"/>
+            <a:off x="6370498" y="1687911"/>
             <a:ext cx="584790" cy="5316"/>
           </a:xfrm>
           <a:prstGeom prst="straightConnector1">
@@ -7986,7 +7988,7 @@
         </p:nvSpPr>
         <p:spPr>
           <a:xfrm>
-            <a:off x="6943061" y="1334379"/>
+            <a:off x="6977351" y="1334379"/>
             <a:ext cx="1626782" cy="691116"/>
           </a:xfrm>
           <a:prstGeom prst="rect">
